--- a/TicTacToe.pptx
+++ b/TicTacToe.pptx
@@ -2,15 +2,18 @@
 <file path=ppt/presentation.xml><?xml version="1.0" encoding="utf-8"?>
 <p:presentation xmlns:a="http://schemas.openxmlformats.org/drawingml/2006/main" xmlns:r="http://schemas.openxmlformats.org/officeDocument/2006/relationships" xmlns:p="http://schemas.openxmlformats.org/presentationml/2006/main" saveSubsetFonts="1">
   <p:sldMasterIdLst>
-    <p:sldMasterId id="2147483678" r:id="rId1"/>
+    <p:sldMasterId id="2147483696" r:id="rId1"/>
   </p:sldMasterIdLst>
   <p:sldIdLst>
     <p:sldId id="256" r:id="rId2"/>
     <p:sldId id="257" r:id="rId3"/>
     <p:sldId id="259" r:id="rId4"/>
-    <p:sldId id="258" r:id="rId5"/>
-    <p:sldId id="260" r:id="rId6"/>
-    <p:sldId id="261" r:id="rId7"/>
+    <p:sldId id="262" r:id="rId5"/>
+    <p:sldId id="258" r:id="rId6"/>
+    <p:sldId id="263" r:id="rId7"/>
+    <p:sldId id="260" r:id="rId8"/>
+    <p:sldId id="264" r:id="rId9"/>
+    <p:sldId id="261" r:id="rId10"/>
   </p:sldIdLst>
   <p:sldSz cx="12192000" cy="6858000"/>
   <p:notesSz cx="6858000" cy="9144000"/>
@@ -128,6 +131,10 @@
 </p:presentation>
 </file>
 
+<file path=ppt/revisionInfo.xml><?xml version="1.0" encoding="utf-8"?>
+<p1510:revInfo xmlns:a="http://schemas.openxmlformats.org/drawingml/2006/main" xmlns:r="http://schemas.openxmlformats.org/officeDocument/2006/relationships" xmlns:p1510="http://schemas.microsoft.com/office/powerpoint/2015/10/main"/>
+</file>
+
 <file path=ppt/slideLayouts/slideLayout1.xml><?xml version="1.0" encoding="utf-8"?>
 <p:sldLayout xmlns:a="http://schemas.openxmlformats.org/drawingml/2006/main" xmlns:r="http://schemas.openxmlformats.org/officeDocument/2006/relationships" xmlns:p="http://schemas.openxmlformats.org/presentationml/2006/main" showMasterSp="0" type="title" preserve="1">
   <p:cSld name="Titelfolie">
@@ -156,6 +163,13 @@
         <p:blipFill>
           <a:blip r:embed="rId2">
             <a:alphaModFix amt="30000"/>
+            <a:duotone>
+              <a:prstClr val="black"/>
+              <a:schemeClr val="tx2">
+                <a:tint val="45000"/>
+                <a:satMod val="400000"/>
+              </a:schemeClr>
+            </a:duotone>
             <a:extLst>
               <a:ext uri="{28A0092B-C50C-407E-A947-70E740481C1C}">
                 <a14:useLocalDpi xmlns:a14="http://schemas.microsoft.com/office/drawing/2010/main" val="0"/>
@@ -206,9 +220,8 @@
                 <a:schemeClr val="tx2"/>
               </a:gs>
               <a:gs pos="100000">
-                <a:schemeClr val="bg2">
-                  <a:lumMod val="60000"/>
-                  <a:lumOff val="40000"/>
+                <a:schemeClr val="tx2">
+                  <a:lumMod val="50000"/>
                 </a:schemeClr>
               </a:gs>
             </a:gsLst>
@@ -4404,7 +4417,7 @@
           <a:p>
             <a:fld id="{C1912F46-CF0F-4997-9227-435B00D5989F}" type="datetimeFigureOut">
               <a:rPr lang="de-AT" smtClean="0"/>
-              <a:t>18.05.2017</a:t>
+              <a:t>23.05.2017</a:t>
             </a:fld>
             <a:endParaRPr lang="de-AT"/>
           </a:p>
@@ -4465,7 +4478,7 @@
     </p:spTree>
     <p:extLst>
       <p:ext uri="{BB962C8B-B14F-4D97-AF65-F5344CB8AC3E}">
-        <p14:creationId xmlns:p14="http://schemas.microsoft.com/office/powerpoint/2010/main" val="2935217296"/>
+        <p14:creationId xmlns:p14="http://schemas.microsoft.com/office/powerpoint/2010/main" val="4222373708"/>
       </p:ext>
     </p:extLst>
   </p:cSld>
@@ -4671,7 +4684,7 @@
           <a:p>
             <a:fld id="{C1912F46-CF0F-4997-9227-435B00D5989F}" type="datetimeFigureOut">
               <a:rPr lang="de-AT" smtClean="0"/>
-              <a:t>18.05.2017</a:t>
+              <a:t>23.05.2017</a:t>
             </a:fld>
             <a:endParaRPr lang="de-AT"/>
           </a:p>
@@ -4722,7 +4735,7 @@
     </p:spTree>
     <p:extLst>
       <p:ext uri="{BB962C8B-B14F-4D97-AF65-F5344CB8AC3E}">
-        <p14:creationId xmlns:p14="http://schemas.microsoft.com/office/powerpoint/2010/main" val="743285507"/>
+        <p14:creationId xmlns:p14="http://schemas.microsoft.com/office/powerpoint/2010/main" val="2220662520"/>
       </p:ext>
     </p:extLst>
   </p:cSld>
@@ -4867,7 +4880,7 @@
           <a:p>
             <a:fld id="{C1912F46-CF0F-4997-9227-435B00D5989F}" type="datetimeFigureOut">
               <a:rPr lang="de-AT" smtClean="0"/>
-              <a:t>18.05.2017</a:t>
+              <a:t>23.05.2017</a:t>
             </a:fld>
             <a:endParaRPr lang="de-AT"/>
           </a:p>
@@ -4918,7 +4931,7 @@
     </p:spTree>
     <p:extLst>
       <p:ext uri="{BB962C8B-B14F-4D97-AF65-F5344CB8AC3E}">
-        <p14:creationId xmlns:p14="http://schemas.microsoft.com/office/powerpoint/2010/main" val="1665035834"/>
+        <p14:creationId xmlns:p14="http://schemas.microsoft.com/office/powerpoint/2010/main" val="2050508847"/>
       </p:ext>
     </p:extLst>
   </p:cSld>
@@ -5130,7 +5143,7 @@
           <a:p>
             <a:fld id="{C1912F46-CF0F-4997-9227-435B00D5989F}" type="datetimeFigureOut">
               <a:rPr lang="de-AT" smtClean="0"/>
-              <a:t>18.05.2017</a:t>
+              <a:t>23.05.2017</a:t>
             </a:fld>
             <a:endParaRPr lang="de-AT"/>
           </a:p>
@@ -5419,7 +5432,7 @@
     </p:spTree>
     <p:extLst>
       <p:ext uri="{BB962C8B-B14F-4D97-AF65-F5344CB8AC3E}">
-        <p14:creationId xmlns:p14="http://schemas.microsoft.com/office/powerpoint/2010/main" val="2719978479"/>
+        <p14:creationId xmlns:p14="http://schemas.microsoft.com/office/powerpoint/2010/main" val="2886628932"/>
       </p:ext>
     </p:extLst>
   </p:cSld>
@@ -5564,7 +5577,7 @@
           <a:p>
             <a:fld id="{C1912F46-CF0F-4997-9227-435B00D5989F}" type="datetimeFigureOut">
               <a:rPr lang="de-AT" smtClean="0"/>
-              <a:t>18.05.2017</a:t>
+              <a:t>23.05.2017</a:t>
             </a:fld>
             <a:endParaRPr lang="de-AT"/>
           </a:p>
@@ -5615,7 +5628,7 @@
     </p:spTree>
     <p:extLst>
       <p:ext uri="{BB962C8B-B14F-4D97-AF65-F5344CB8AC3E}">
-        <p14:creationId xmlns:p14="http://schemas.microsoft.com/office/powerpoint/2010/main" val="1928969085"/>
+        <p14:creationId xmlns:p14="http://schemas.microsoft.com/office/powerpoint/2010/main" val="3855517008"/>
       </p:ext>
     </p:extLst>
   </p:cSld>
@@ -6110,7 +6123,7 @@
           <a:p>
             <a:fld id="{C1912F46-CF0F-4997-9227-435B00D5989F}" type="datetimeFigureOut">
               <a:rPr lang="de-AT" smtClean="0"/>
-              <a:t>18.05.2017</a:t>
+              <a:t>23.05.2017</a:t>
             </a:fld>
             <a:endParaRPr lang="de-AT"/>
           </a:p>
@@ -6161,7 +6174,7 @@
     </p:spTree>
     <p:extLst>
       <p:ext uri="{BB962C8B-B14F-4D97-AF65-F5344CB8AC3E}">
-        <p14:creationId xmlns:p14="http://schemas.microsoft.com/office/powerpoint/2010/main" val="3401510188"/>
+        <p14:creationId xmlns:p14="http://schemas.microsoft.com/office/powerpoint/2010/main" val="1430649814"/>
       </p:ext>
     </p:extLst>
   </p:cSld>
@@ -6830,7 +6843,7 @@
           <a:p>
             <a:fld id="{C1912F46-CF0F-4997-9227-435B00D5989F}" type="datetimeFigureOut">
               <a:rPr lang="de-AT" smtClean="0"/>
-              <a:t>18.05.2017</a:t>
+              <a:t>23.05.2017</a:t>
             </a:fld>
             <a:endParaRPr lang="de-AT"/>
           </a:p>
@@ -6881,7 +6894,7 @@
     </p:spTree>
     <p:extLst>
       <p:ext uri="{BB962C8B-B14F-4D97-AF65-F5344CB8AC3E}">
-        <p14:creationId xmlns:p14="http://schemas.microsoft.com/office/powerpoint/2010/main" val="1646240224"/>
+        <p14:creationId xmlns:p14="http://schemas.microsoft.com/office/powerpoint/2010/main" val="4278053546"/>
       </p:ext>
     </p:extLst>
   </p:cSld>
@@ -7000,7 +7013,7 @@
           <a:p>
             <a:fld id="{C1912F46-CF0F-4997-9227-435B00D5989F}" type="datetimeFigureOut">
               <a:rPr lang="de-AT" smtClean="0"/>
-              <a:t>18.05.2017</a:t>
+              <a:t>23.05.2017</a:t>
             </a:fld>
             <a:endParaRPr lang="de-AT"/>
           </a:p>
@@ -7051,7 +7064,7 @@
     </p:spTree>
     <p:extLst>
       <p:ext uri="{BB962C8B-B14F-4D97-AF65-F5344CB8AC3E}">
-        <p14:creationId xmlns:p14="http://schemas.microsoft.com/office/powerpoint/2010/main" val="1283508258"/>
+        <p14:creationId xmlns:p14="http://schemas.microsoft.com/office/powerpoint/2010/main" val="3523611"/>
       </p:ext>
     </p:extLst>
   </p:cSld>
@@ -7180,7 +7193,7 @@
           <a:p>
             <a:fld id="{C1912F46-CF0F-4997-9227-435B00D5989F}" type="datetimeFigureOut">
               <a:rPr lang="de-AT" smtClean="0"/>
-              <a:t>18.05.2017</a:t>
+              <a:t>23.05.2017</a:t>
             </a:fld>
             <a:endParaRPr lang="de-AT"/>
           </a:p>
@@ -7231,7 +7244,7 @@
     </p:spTree>
     <p:extLst>
       <p:ext uri="{BB962C8B-B14F-4D97-AF65-F5344CB8AC3E}">
-        <p14:creationId xmlns:p14="http://schemas.microsoft.com/office/powerpoint/2010/main" val="2006061562"/>
+        <p14:creationId xmlns:p14="http://schemas.microsoft.com/office/powerpoint/2010/main" val="680005065"/>
       </p:ext>
     </p:extLst>
   </p:cSld>
@@ -7350,7 +7363,7 @@
           <a:p>
             <a:fld id="{C1912F46-CF0F-4997-9227-435B00D5989F}" type="datetimeFigureOut">
               <a:rPr lang="de-AT" smtClean="0"/>
-              <a:t>18.05.2017</a:t>
+              <a:t>23.05.2017</a:t>
             </a:fld>
             <a:endParaRPr lang="de-AT"/>
           </a:p>
@@ -7401,7 +7414,7 @@
     </p:spTree>
     <p:extLst>
       <p:ext uri="{BB962C8B-B14F-4D97-AF65-F5344CB8AC3E}">
-        <p14:creationId xmlns:p14="http://schemas.microsoft.com/office/powerpoint/2010/main" val="1574991690"/>
+        <p14:creationId xmlns:p14="http://schemas.microsoft.com/office/powerpoint/2010/main" val="1736986212"/>
       </p:ext>
     </p:extLst>
   </p:cSld>
@@ -7600,7 +7613,7 @@
           <a:p>
             <a:fld id="{C1912F46-CF0F-4997-9227-435B00D5989F}" type="datetimeFigureOut">
               <a:rPr lang="de-AT" smtClean="0"/>
-              <a:t>18.05.2017</a:t>
+              <a:t>23.05.2017</a:t>
             </a:fld>
             <a:endParaRPr lang="de-AT"/>
           </a:p>
@@ -7651,7 +7664,7 @@
     </p:spTree>
     <p:extLst>
       <p:ext uri="{BB962C8B-B14F-4D97-AF65-F5344CB8AC3E}">
-        <p14:creationId xmlns:p14="http://schemas.microsoft.com/office/powerpoint/2010/main" val="564426746"/>
+        <p14:creationId xmlns:p14="http://schemas.microsoft.com/office/powerpoint/2010/main" val="120529912"/>
       </p:ext>
     </p:extLst>
   </p:cSld>
@@ -7832,7 +7845,7 @@
           <a:p>
             <a:fld id="{C1912F46-CF0F-4997-9227-435B00D5989F}" type="datetimeFigureOut">
               <a:rPr lang="de-AT" smtClean="0"/>
-              <a:t>18.05.2017</a:t>
+              <a:t>23.05.2017</a:t>
             </a:fld>
             <a:endParaRPr lang="de-AT"/>
           </a:p>
@@ -7883,7 +7896,7 @@
     </p:spTree>
     <p:extLst>
       <p:ext uri="{BB962C8B-B14F-4D97-AF65-F5344CB8AC3E}">
-        <p14:creationId xmlns:p14="http://schemas.microsoft.com/office/powerpoint/2010/main" val="778988616"/>
+        <p14:creationId xmlns:p14="http://schemas.microsoft.com/office/powerpoint/2010/main" val="339175398"/>
       </p:ext>
     </p:extLst>
   </p:cSld>
@@ -8213,7 +8226,7 @@
           <a:p>
             <a:fld id="{C1912F46-CF0F-4997-9227-435B00D5989F}" type="datetimeFigureOut">
               <a:rPr lang="de-AT" smtClean="0"/>
-              <a:t>18.05.2017</a:t>
+              <a:t>23.05.2017</a:t>
             </a:fld>
             <a:endParaRPr lang="de-AT"/>
           </a:p>
@@ -8264,7 +8277,7 @@
     </p:spTree>
     <p:extLst>
       <p:ext uri="{BB962C8B-B14F-4D97-AF65-F5344CB8AC3E}">
-        <p14:creationId xmlns:p14="http://schemas.microsoft.com/office/powerpoint/2010/main" val="3134648875"/>
+        <p14:creationId xmlns:p14="http://schemas.microsoft.com/office/powerpoint/2010/main" val="1839588565"/>
       </p:ext>
     </p:extLst>
   </p:cSld>
@@ -8331,7 +8344,7 @@
           <a:p>
             <a:fld id="{C1912F46-CF0F-4997-9227-435B00D5989F}" type="datetimeFigureOut">
               <a:rPr lang="de-AT" smtClean="0"/>
-              <a:t>18.05.2017</a:t>
+              <a:t>23.05.2017</a:t>
             </a:fld>
             <a:endParaRPr lang="de-AT"/>
           </a:p>
@@ -8382,7 +8395,7 @@
     </p:spTree>
     <p:extLst>
       <p:ext uri="{BB962C8B-B14F-4D97-AF65-F5344CB8AC3E}">
-        <p14:creationId xmlns:p14="http://schemas.microsoft.com/office/powerpoint/2010/main" val="3675803418"/>
+        <p14:creationId xmlns:p14="http://schemas.microsoft.com/office/powerpoint/2010/main" val="55700100"/>
       </p:ext>
     </p:extLst>
   </p:cSld>
@@ -8426,7 +8439,7 @@
           <a:p>
             <a:fld id="{C1912F46-CF0F-4997-9227-435B00D5989F}" type="datetimeFigureOut">
               <a:rPr lang="de-AT" smtClean="0"/>
-              <a:t>18.05.2017</a:t>
+              <a:t>23.05.2017</a:t>
             </a:fld>
             <a:endParaRPr lang="de-AT"/>
           </a:p>
@@ -8477,7 +8490,7 @@
     </p:spTree>
     <p:extLst>
       <p:ext uri="{BB962C8B-B14F-4D97-AF65-F5344CB8AC3E}">
-        <p14:creationId xmlns:p14="http://schemas.microsoft.com/office/powerpoint/2010/main" val="3151921357"/>
+        <p14:creationId xmlns:p14="http://schemas.microsoft.com/office/powerpoint/2010/main" val="2928758153"/>
       </p:ext>
     </p:extLst>
   </p:cSld>
@@ -8675,7 +8688,7 @@
           <a:p>
             <a:fld id="{C1912F46-CF0F-4997-9227-435B00D5989F}" type="datetimeFigureOut">
               <a:rPr lang="de-AT" smtClean="0"/>
-              <a:t>18.05.2017</a:t>
+              <a:t>23.05.2017</a:t>
             </a:fld>
             <a:endParaRPr lang="de-AT"/>
           </a:p>
@@ -8726,7 +8739,7 @@
     </p:spTree>
     <p:extLst>
       <p:ext uri="{BB962C8B-B14F-4D97-AF65-F5344CB8AC3E}">
-        <p14:creationId xmlns:p14="http://schemas.microsoft.com/office/powerpoint/2010/main" val="36416439"/>
+        <p14:creationId xmlns:p14="http://schemas.microsoft.com/office/powerpoint/2010/main" val="1824549383"/>
       </p:ext>
     </p:extLst>
   </p:cSld>
@@ -8955,7 +8968,7 @@
           <a:p>
             <a:fld id="{C1912F46-CF0F-4997-9227-435B00D5989F}" type="datetimeFigureOut">
               <a:rPr lang="de-AT" smtClean="0"/>
-              <a:t>18.05.2017</a:t>
+              <a:t>23.05.2017</a:t>
             </a:fld>
             <a:endParaRPr lang="de-AT"/>
           </a:p>
@@ -9006,7 +9019,7 @@
     </p:spTree>
     <p:extLst>
       <p:ext uri="{BB962C8B-B14F-4D97-AF65-F5344CB8AC3E}">
-        <p14:creationId xmlns:p14="http://schemas.microsoft.com/office/powerpoint/2010/main" val="2523878701"/>
+        <p14:creationId xmlns:p14="http://schemas.microsoft.com/office/powerpoint/2010/main" val="1789391176"/>
       </p:ext>
     </p:extLst>
   </p:cSld>
@@ -9049,6 +9062,13 @@
         <p:blipFill>
           <a:blip r:embed="rId19">
             <a:alphaModFix amt="30000"/>
+            <a:duotone>
+              <a:prstClr val="black"/>
+              <a:schemeClr val="tx2">
+                <a:tint val="45000"/>
+                <a:satMod val="400000"/>
+              </a:schemeClr>
+            </a:duotone>
             <a:extLst>
               <a:ext uri="{28A0092B-C50C-407E-A947-70E740481C1C}">
                 <a14:useLocalDpi xmlns:a14="http://schemas.microsoft.com/office/drawing/2010/main" val="0"/>
@@ -9093,6 +9113,20 @@
             <a:chOff x="-14288" y="0"/>
             <a:chExt cx="12053888" cy="6858001"/>
           </a:xfrm>
+          <a:gradFill flip="none" rotWithShape="1">
+            <a:gsLst>
+              <a:gs pos="0">
+                <a:schemeClr val="tx2"/>
+              </a:gs>
+              <a:gs pos="100000">
+                <a:schemeClr val="tx2">
+                  <a:lumMod val="50000"/>
+                </a:schemeClr>
+              </a:gs>
+            </a:gsLst>
+            <a:lin ang="5400000" scaled="0"/>
+            <a:tileRect/>
+          </a:gradFill>
         </p:grpSpPr>
         <p:grpSp>
           <p:nvGrpSpPr>
@@ -9107,21 +9141,7 @@
               <a:chOff x="-14288" y="0"/>
               <a:chExt cx="1220788" cy="6858001"/>
             </a:xfrm>
-            <a:gradFill flip="none" rotWithShape="1">
-              <a:gsLst>
-                <a:gs pos="0">
-                  <a:schemeClr val="tx2"/>
-                </a:gs>
-                <a:gs pos="100000">
-                  <a:schemeClr val="bg2">
-                    <a:lumMod val="60000"/>
-                    <a:lumOff val="40000"/>
-                  </a:schemeClr>
-                </a:gs>
-              </a:gsLst>
-              <a:lin ang="5400000" scaled="0"/>
-              <a:tileRect/>
-            </a:gradFill>
+            <a:grpFill/>
           </p:grpSpPr>
           <p:sp>
             <p:nvSpPr>
@@ -11110,24 +11130,7 @@
               <a:chOff x="11364912" y="0"/>
               <a:chExt cx="674688" cy="6848476"/>
             </a:xfrm>
-            <a:gradFill flip="none" rotWithShape="1">
-              <a:gsLst>
-                <a:gs pos="0">
-                  <a:schemeClr val="tx2">
-                    <a:alpha val="80000"/>
-                  </a:schemeClr>
-                </a:gs>
-                <a:gs pos="100000">
-                  <a:schemeClr val="bg2">
-                    <a:lumMod val="60000"/>
-                    <a:lumOff val="40000"/>
-                    <a:alpha val="60000"/>
-                  </a:schemeClr>
-                </a:gs>
-              </a:gsLst>
-              <a:lin ang="5400000" scaled="0"/>
-              <a:tileRect/>
-            </a:gradFill>
+            <a:grpFill/>
           </p:grpSpPr>
           <p:sp>
             <p:nvSpPr>
@@ -12032,7 +12035,7 @@
           <a:p>
             <a:fld id="{C1912F46-CF0F-4997-9227-435B00D5989F}" type="datetimeFigureOut">
               <a:rPr lang="de-AT" smtClean="0"/>
-              <a:t>18.05.2017</a:t>
+              <a:t>23.05.2017</a:t>
             </a:fld>
             <a:endParaRPr lang="de-AT"/>
           </a:p>
@@ -12119,29 +12122,29 @@
     </p:spTree>
     <p:extLst>
       <p:ext uri="{BB962C8B-B14F-4D97-AF65-F5344CB8AC3E}">
-        <p14:creationId xmlns:p14="http://schemas.microsoft.com/office/powerpoint/2010/main" val="1979915262"/>
+        <p14:creationId xmlns:p14="http://schemas.microsoft.com/office/powerpoint/2010/main" val="4191874321"/>
       </p:ext>
     </p:extLst>
   </p:cSld>
   <p:clrMap bg1="dk1" tx1="lt1" bg2="dk2" tx2="lt2" accent1="accent1" accent2="accent2" accent3="accent3" accent4="accent4" accent5="accent5" accent6="accent6" hlink="hlink" folHlink="folHlink"/>
   <p:sldLayoutIdLst>
-    <p:sldLayoutId id="2147483679" r:id="rId1"/>
-    <p:sldLayoutId id="2147483680" r:id="rId2"/>
-    <p:sldLayoutId id="2147483681" r:id="rId3"/>
-    <p:sldLayoutId id="2147483682" r:id="rId4"/>
-    <p:sldLayoutId id="2147483683" r:id="rId5"/>
-    <p:sldLayoutId id="2147483684" r:id="rId6"/>
-    <p:sldLayoutId id="2147483685" r:id="rId7"/>
-    <p:sldLayoutId id="2147483686" r:id="rId8"/>
-    <p:sldLayoutId id="2147483687" r:id="rId9"/>
-    <p:sldLayoutId id="2147483688" r:id="rId10"/>
-    <p:sldLayoutId id="2147483689" r:id="rId11"/>
-    <p:sldLayoutId id="2147483690" r:id="rId12"/>
-    <p:sldLayoutId id="2147483691" r:id="rId13"/>
-    <p:sldLayoutId id="2147483692" r:id="rId14"/>
-    <p:sldLayoutId id="2147483693" r:id="rId15"/>
-    <p:sldLayoutId id="2147483694" r:id="rId16"/>
-    <p:sldLayoutId id="2147483695" r:id="rId17"/>
+    <p:sldLayoutId id="2147483697" r:id="rId1"/>
+    <p:sldLayoutId id="2147483698" r:id="rId2"/>
+    <p:sldLayoutId id="2147483699" r:id="rId3"/>
+    <p:sldLayoutId id="2147483700" r:id="rId4"/>
+    <p:sldLayoutId id="2147483701" r:id="rId5"/>
+    <p:sldLayoutId id="2147483702" r:id="rId6"/>
+    <p:sldLayoutId id="2147483703" r:id="rId7"/>
+    <p:sldLayoutId id="2147483704" r:id="rId8"/>
+    <p:sldLayoutId id="2147483705" r:id="rId9"/>
+    <p:sldLayoutId id="2147483706" r:id="rId10"/>
+    <p:sldLayoutId id="2147483707" r:id="rId11"/>
+    <p:sldLayoutId id="2147483708" r:id="rId12"/>
+    <p:sldLayoutId id="2147483709" r:id="rId13"/>
+    <p:sldLayoutId id="2147483710" r:id="rId14"/>
+    <p:sldLayoutId id="2147483711" r:id="rId15"/>
+    <p:sldLayoutId id="2147483712" r:id="rId16"/>
+    <p:sldLayoutId id="2147483713" r:id="rId17"/>
   </p:sldLayoutIdLst>
   <p:txStyles>
     <p:titleStyle>
@@ -12464,26 +12467,28 @@
         </p:nvSpPr>
         <p:spPr/>
         <p:txBody>
-          <a:bodyPr/>
+          <a:bodyPr>
+            <a:normAutofit/>
+          </a:bodyPr>
           <a:lstStyle/>
           <a:p>
             <a:r>
-              <a:rPr lang="de-DE" dirty="0"/>
+              <a:rPr lang="de-DE" sz="9600" dirty="0"/>
               <a:t>Tic </a:t>
             </a:r>
             <a:r>
-              <a:rPr lang="de-DE" dirty="0" err="1"/>
+              <a:rPr lang="de-DE" sz="9600" dirty="0" err="1"/>
               <a:t>Tac</a:t>
             </a:r>
             <a:r>
-              <a:rPr lang="de-DE" dirty="0"/>
+              <a:rPr lang="de-DE" sz="9600" dirty="0"/>
               <a:t> </a:t>
             </a:r>
             <a:r>
-              <a:rPr lang="de-DE" dirty="0" err="1"/>
+              <a:rPr lang="de-DE" sz="9600" dirty="0" err="1"/>
               <a:t>Toe</a:t>
             </a:r>
-            <a:endParaRPr lang="de-AT" dirty="0"/>
+            <a:endParaRPr lang="de-AT" sz="9600" dirty="0"/>
           </a:p>
         </p:txBody>
       </p:sp>
@@ -12552,14 +12557,16 @@
         </p:nvSpPr>
         <p:spPr/>
         <p:txBody>
-          <a:bodyPr/>
+          <a:bodyPr>
+            <a:normAutofit/>
+          </a:bodyPr>
           <a:lstStyle/>
           <a:p>
             <a:r>
-              <a:rPr lang="de-DE" dirty="0"/>
+              <a:rPr lang="de-DE" sz="6000" dirty="0"/>
               <a:t>Übersicht</a:t>
             </a:r>
-            <a:endParaRPr lang="de-AT" dirty="0"/>
+            <a:endParaRPr lang="de-AT" sz="6000" dirty="0"/>
           </a:p>
         </p:txBody>
       </p:sp>
@@ -12586,46 +12593,46 @@
           <a:lstStyle/>
           <a:p>
             <a:r>
-              <a:rPr lang="de-DE" dirty="0"/>
+              <a:rPr lang="de-DE" sz="3200" dirty="0"/>
               <a:t>Login </a:t>
             </a:r>
           </a:p>
           <a:p>
             <a:r>
-              <a:rPr lang="de-DE" dirty="0"/>
+              <a:rPr lang="de-DE" sz="3200" dirty="0"/>
               <a:t>Tic </a:t>
             </a:r>
             <a:r>
-              <a:rPr lang="de-DE" dirty="0" err="1"/>
+              <a:rPr lang="de-DE" sz="3200" dirty="0" err="1"/>
               <a:t>Tac</a:t>
             </a:r>
             <a:r>
-              <a:rPr lang="de-DE" dirty="0"/>
+              <a:rPr lang="de-DE" sz="3200" dirty="0"/>
               <a:t> </a:t>
             </a:r>
             <a:r>
-              <a:rPr lang="de-DE" dirty="0" err="1"/>
+              <a:rPr lang="de-DE" sz="3200" dirty="0" err="1"/>
               <a:t>Toe</a:t>
             </a:r>
-            <a:endParaRPr lang="de-DE" dirty="0"/>
-          </a:p>
-          <a:p>
-            <a:r>
-              <a:rPr lang="de-DE" dirty="0" err="1"/>
+            <a:endParaRPr lang="de-DE" sz="3200" dirty="0"/>
+          </a:p>
+          <a:p>
+            <a:r>
+              <a:rPr lang="de-DE" sz="3200" dirty="0" err="1"/>
               <a:t>Highscore</a:t>
             </a:r>
             <a:r>
-              <a:rPr lang="de-DE" dirty="0"/>
+              <a:rPr lang="de-DE" sz="3200" dirty="0"/>
               <a:t> </a:t>
             </a:r>
           </a:p>
           <a:p>
             <a:pPr lvl="1"/>
-            <a:endParaRPr lang="de-DE" dirty="0"/>
+            <a:endParaRPr lang="de-DE" sz="3200" dirty="0"/>
           </a:p>
           <a:p>
             <a:pPr lvl="1"/>
-            <a:endParaRPr lang="de-AT" dirty="0"/>
+            <a:endParaRPr lang="de-AT" sz="3200" dirty="0"/>
           </a:p>
         </p:txBody>
       </p:sp>
@@ -12671,14 +12678,16 @@
         </p:nvSpPr>
         <p:spPr/>
         <p:txBody>
-          <a:bodyPr/>
+          <a:bodyPr>
+            <a:normAutofit/>
+          </a:bodyPr>
           <a:lstStyle/>
           <a:p>
             <a:r>
-              <a:rPr lang="de-DE" dirty="0"/>
+              <a:rPr lang="de-DE" sz="6000" dirty="0"/>
               <a:t>Login Screen</a:t>
             </a:r>
-            <a:endParaRPr lang="de-AT" dirty="0"/>
+            <a:endParaRPr lang="de-AT" sz="6000" dirty="0"/>
           </a:p>
         </p:txBody>
       </p:sp>
@@ -12694,30 +12703,32 @@
         </p:nvSpPr>
         <p:spPr/>
         <p:txBody>
-          <a:bodyPr/>
+          <a:bodyPr>
+            <a:normAutofit/>
+          </a:bodyPr>
           <a:lstStyle/>
           <a:p>
             <a:r>
-              <a:rPr lang="de-DE" dirty="0"/>
+              <a:rPr lang="de-DE" sz="2800" dirty="0"/>
               <a:t>Login Screen als </a:t>
             </a:r>
             <a:r>
-              <a:rPr lang="de-DE" dirty="0" err="1"/>
+              <a:rPr lang="de-DE" sz="2800" dirty="0" err="1"/>
               <a:t>Lightbox</a:t>
             </a:r>
             <a:r>
-              <a:rPr lang="de-DE" dirty="0"/>
+              <a:rPr lang="de-DE" sz="2800" dirty="0"/>
               <a:t> </a:t>
             </a:r>
           </a:p>
           <a:p>
             <a:pPr lvl="1"/>
             <a:r>
-              <a:rPr lang="de-DE" dirty="0"/>
+              <a:rPr lang="de-DE" sz="2400" dirty="0"/>
               <a:t>Beim Aufrufen der Seite </a:t>
             </a:r>
             <a:r>
-              <a:rPr lang="de-DE" dirty="0">
+              <a:rPr lang="de-DE" sz="2400" dirty="0">
                 <a:solidFill>
                   <a:srgbClr val="FF0000"/>
                 </a:solidFill>
@@ -12725,11 +12736,11 @@
               <a:t>(</a:t>
             </a:r>
             <a:r>
-              <a:rPr lang="de-DE" dirty="0"/>
+              <a:rPr lang="de-DE" sz="2400" dirty="0"/>
               <a:t>evtl. mit Cookies</a:t>
             </a:r>
             <a:r>
-              <a:rPr lang="de-DE" dirty="0">
+              <a:rPr lang="de-DE" sz="2400" dirty="0">
                 <a:solidFill>
                   <a:srgbClr val="FF0000"/>
                 </a:solidFill>
@@ -12740,25 +12751,25 @@
           <a:p>
             <a:pPr lvl="1"/>
             <a:r>
-              <a:rPr lang="de-DE" dirty="0" err="1"/>
+              <a:rPr lang="de-DE" sz="2400" dirty="0" err="1"/>
               <a:t>Nickname</a:t>
             </a:r>
             <a:r>
-              <a:rPr lang="de-DE" dirty="0"/>
+              <a:rPr lang="de-DE" sz="2400" dirty="0"/>
               <a:t>/Passwort</a:t>
             </a:r>
           </a:p>
           <a:p>
             <a:pPr lvl="1"/>
             <a:r>
-              <a:rPr lang="de-DE" dirty="0"/>
+              <a:rPr lang="de-DE" sz="2400" dirty="0"/>
               <a:t>Geht nur weg beim Einloggen/Registrieren</a:t>
             </a:r>
           </a:p>
           <a:p>
             <a:pPr lvl="1"/>
             <a:r>
-              <a:rPr lang="de-DE" dirty="0">
+              <a:rPr lang="de-DE" sz="2400" dirty="0">
                 <a:solidFill>
                   <a:srgbClr val="FF0000"/>
                 </a:solidFill>
@@ -12766,27 +12777,27 @@
               <a:t>(</a:t>
             </a:r>
             <a:r>
-              <a:rPr lang="de-DE" dirty="0"/>
+              <a:rPr lang="de-DE" sz="2400" dirty="0"/>
               <a:t>Registrierungslink drunter mit Aktualisieren d. </a:t>
             </a:r>
             <a:r>
-              <a:rPr lang="de-DE" dirty="0" err="1"/>
+              <a:rPr lang="de-DE" sz="2400" dirty="0" err="1"/>
               <a:t>Lightbox</a:t>
             </a:r>
             <a:r>
-              <a:rPr lang="de-DE" dirty="0"/>
-              <a:t> (zweiter </a:t>
-            </a:r>
-            <a:r>
-              <a:rPr lang="de-DE" dirty="0" err="1"/>
+              <a:rPr lang="de-DE" sz="2400" dirty="0"/>
+              <a:t> (zweites </a:t>
+            </a:r>
+            <a:r>
+              <a:rPr lang="de-DE" sz="2400" dirty="0" err="1"/>
               <a:t>Passw</a:t>
             </a:r>
             <a:r>
-              <a:rPr lang="de-DE" dirty="0"/>
+              <a:rPr lang="de-DE" sz="2400" dirty="0"/>
               <a:t>. Feld)</a:t>
             </a:r>
             <a:r>
-              <a:rPr lang="de-DE" dirty="0">
+              <a:rPr lang="de-DE" sz="2400" dirty="0">
                 <a:solidFill>
                   <a:srgbClr val="FF0000"/>
                 </a:solidFill>
@@ -12796,10 +12807,10 @@
           </a:p>
           <a:p>
             <a:pPr lvl="1"/>
-            <a:endParaRPr lang="de-DE" dirty="0"/>
-          </a:p>
-          <a:p>
-            <a:endParaRPr lang="de-AT" dirty="0"/>
+            <a:endParaRPr lang="de-DE" sz="2400" dirty="0"/>
+          </a:p>
+          <a:p>
+            <a:endParaRPr lang="de-AT" sz="2800" dirty="0"/>
           </a:p>
         </p:txBody>
       </p:sp>
@@ -12835,6 +12846,54 @@
       </p:grpSpPr>
       <p:sp>
         <p:nvSpPr>
+          <p:cNvPr id="6" name="Rechteck 5"/>
+          <p:cNvSpPr/>
+          <p:nvPr/>
+        </p:nvSpPr>
+        <p:spPr>
+          <a:xfrm>
+            <a:off x="0" y="0"/>
+            <a:ext cx="12192000" cy="6858000"/>
+          </a:xfrm>
+          <a:prstGeom prst="rect">
+            <a:avLst/>
+          </a:prstGeom>
+          <a:solidFill>
+            <a:schemeClr val="bg1"/>
+          </a:solidFill>
+          <a:ln>
+            <a:solidFill>
+              <a:schemeClr val="bg1"/>
+            </a:solidFill>
+          </a:ln>
+        </p:spPr>
+        <p:style>
+          <a:lnRef idx="2">
+            <a:schemeClr val="accent1">
+              <a:shade val="50000"/>
+            </a:schemeClr>
+          </a:lnRef>
+          <a:fillRef idx="1">
+            <a:schemeClr val="accent1"/>
+          </a:fillRef>
+          <a:effectRef idx="0">
+            <a:schemeClr val="accent1"/>
+          </a:effectRef>
+          <a:fontRef idx="minor">
+            <a:schemeClr val="lt1"/>
+          </a:fontRef>
+        </p:style>
+        <p:txBody>
+          <a:bodyPr rtlCol="0" anchor="ctr"/>
+          <a:lstStyle/>
+          <a:p>
+            <a:pPr algn="ctr"/>
+            <a:endParaRPr lang="de-DE"/>
+          </a:p>
+        </p:txBody>
+      </p:sp>
+      <p:sp>
+        <p:nvSpPr>
           <p:cNvPr id="2" name="Titel 1"/>
           <p:cNvSpPr>
             <a:spLocks noGrp="1"/>
@@ -12848,226 +12907,43 @@
           <a:bodyPr/>
           <a:lstStyle/>
           <a:p>
-            <a:r>
-              <a:rPr lang="de-DE" dirty="0"/>
-              <a:t>Tic </a:t>
-            </a:r>
-            <a:r>
-              <a:rPr lang="de-DE" dirty="0" err="1"/>
-              <a:t>Tac</a:t>
-            </a:r>
-            <a:r>
-              <a:rPr lang="de-DE" dirty="0"/>
-              <a:t> </a:t>
-            </a:r>
-            <a:r>
-              <a:rPr lang="de-DE" dirty="0" err="1"/>
-              <a:t>Toe</a:t>
-            </a:r>
-            <a:endParaRPr lang="de-AT" dirty="0"/>
+            <a:endParaRPr lang="de-DE"/>
           </a:p>
         </p:txBody>
       </p:sp>
-      <p:sp>
-        <p:nvSpPr>
-          <p:cNvPr id="3" name="Inhaltsplatzhalter 2"/>
-          <p:cNvSpPr>
-            <a:spLocks noGrp="1"/>
-          </p:cNvSpPr>
+      <p:pic>
+        <p:nvPicPr>
+          <p:cNvPr id="5" name="Inhaltsplatzhalter 4" descr="Ein Bild, das Screenshot enthält.&#10;&#10;Mit sehr hoher Zuverlässigkeit generierte Beschreibung"/>
+          <p:cNvPicPr>
+            <a:picLocks noGrp="1" noChangeAspect="1"/>
+          </p:cNvPicPr>
           <p:nvPr>
             <p:ph idx="1"/>
           </p:nvPr>
-        </p:nvSpPr>
+        </p:nvPicPr>
+        <p:blipFill>
+          <a:blip r:embed="rId2">
+            <a:extLst>
+              <a:ext uri="{28A0092B-C50C-407E-A947-70E740481C1C}">
+                <a14:useLocalDpi xmlns:a14="http://schemas.microsoft.com/office/drawing/2010/main" val="0"/>
+              </a:ext>
+            </a:extLst>
+          </a:blip>
+          <a:stretch>
+            <a:fillRect/>
+          </a:stretch>
+        </p:blipFill>
         <p:spPr>
           <a:xfrm>
-            <a:off x="1141412" y="2249486"/>
-            <a:ext cx="9905999" cy="3994295"/>
+            <a:off x="2150771" y="214548"/>
+            <a:ext cx="7624293" cy="6491240"/>
           </a:xfrm>
         </p:spPr>
-        <p:txBody>
-          <a:bodyPr>
-            <a:normAutofit lnSpcReduction="10000"/>
-          </a:bodyPr>
-          <a:lstStyle/>
-          <a:p>
-            <a:r>
-              <a:rPr lang="de-DE" dirty="0"/>
-              <a:t>Single- und Multiplayer (jederzeit änderbar)</a:t>
-            </a:r>
-          </a:p>
-          <a:p>
-            <a:pPr lvl="1"/>
-            <a:r>
-              <a:rPr lang="de-DE" dirty="0"/>
-              <a:t>Keine Schwierigkeitsstufen (Single Player) / Multiplayer am gleichen Bildschirm</a:t>
-            </a:r>
-          </a:p>
-          <a:p>
-            <a:pPr lvl="1"/>
-            <a:r>
-              <a:rPr lang="de-DE" dirty="0"/>
-              <a:t>Bei Multiplayer automatisch anderer Spieler als „Guest“ (=anonym)</a:t>
-            </a:r>
-          </a:p>
-          <a:p>
-            <a:r>
-              <a:rPr lang="de-DE" dirty="0"/>
-              <a:t>5 Runden</a:t>
-            </a:r>
-          </a:p>
-          <a:p>
-            <a:pPr lvl="1"/>
-            <a:r>
-              <a:rPr lang="de-DE" dirty="0" err="1">
-                <a:sym typeface="Wingdings" panose="05000000000000000000" pitchFamily="2" charset="2"/>
-              </a:rPr>
-              <a:t>Lightbox</a:t>
-            </a:r>
-            <a:r>
-              <a:rPr lang="de-DE" dirty="0">
-                <a:sym typeface="Wingdings" panose="05000000000000000000" pitchFamily="2" charset="2"/>
-              </a:rPr>
-              <a:t> erscheint mit Overall Score u. anderen Details</a:t>
-            </a:r>
-          </a:p>
-          <a:p>
-            <a:pPr lvl="1"/>
-            <a:r>
-              <a:rPr lang="de-DE" dirty="0">
-                <a:sym typeface="Wingdings" panose="05000000000000000000" pitchFamily="2" charset="2"/>
-              </a:rPr>
-              <a:t>Share </a:t>
-            </a:r>
-            <a:r>
-              <a:rPr lang="de-DE" dirty="0" err="1">
-                <a:sym typeface="Wingdings" panose="05000000000000000000" pitchFamily="2" charset="2"/>
-              </a:rPr>
-              <a:t>your</a:t>
-            </a:r>
-            <a:r>
-              <a:rPr lang="de-DE" dirty="0">
-                <a:sym typeface="Wingdings" panose="05000000000000000000" pitchFamily="2" charset="2"/>
-              </a:rPr>
-              <a:t> Score (Facebook, etc.)</a:t>
-            </a:r>
-          </a:p>
-          <a:p>
-            <a:pPr lvl="1"/>
-            <a:r>
-              <a:rPr lang="de-DE" dirty="0">
-                <a:solidFill>
-                  <a:srgbClr val="FF0000"/>
-                </a:solidFill>
-                <a:sym typeface="Wingdings" panose="05000000000000000000" pitchFamily="2" charset="2"/>
-              </a:rPr>
-              <a:t>(</a:t>
-            </a:r>
-            <a:r>
-              <a:rPr lang="de-DE" dirty="0">
-                <a:sym typeface="Wingdings" panose="05000000000000000000" pitchFamily="2" charset="2"/>
-              </a:rPr>
-              <a:t>Message mit in den </a:t>
-            </a:r>
-            <a:r>
-              <a:rPr lang="de-DE" dirty="0" err="1">
-                <a:sym typeface="Wingdings" panose="05000000000000000000" pitchFamily="2" charset="2"/>
-              </a:rPr>
-              <a:t>Highscore</a:t>
-            </a:r>
-            <a:r>
-              <a:rPr lang="de-DE" dirty="0">
-                <a:sym typeface="Wingdings" panose="05000000000000000000" pitchFamily="2" charset="2"/>
-              </a:rPr>
-              <a:t> eintragen</a:t>
-            </a:r>
-            <a:r>
-              <a:rPr lang="de-DE" dirty="0">
-                <a:solidFill>
-                  <a:srgbClr val="FF0000"/>
-                </a:solidFill>
-                <a:sym typeface="Wingdings" panose="05000000000000000000" pitchFamily="2" charset="2"/>
-              </a:rPr>
-              <a:t>) [SQL </a:t>
-            </a:r>
-            <a:r>
-              <a:rPr lang="de-DE" dirty="0" err="1">
-                <a:solidFill>
-                  <a:srgbClr val="FF0000"/>
-                </a:solidFill>
-                <a:sym typeface="Wingdings" panose="05000000000000000000" pitchFamily="2" charset="2"/>
-              </a:rPr>
-              <a:t>Injections</a:t>
-            </a:r>
-            <a:r>
-              <a:rPr lang="de-DE" dirty="0">
-                <a:solidFill>
-                  <a:srgbClr val="FF0000"/>
-                </a:solidFill>
-                <a:sym typeface="Wingdings" panose="05000000000000000000" pitchFamily="2" charset="2"/>
-              </a:rPr>
-              <a:t>]</a:t>
-            </a:r>
-          </a:p>
-          <a:p>
-            <a:pPr lvl="1"/>
-            <a:r>
-              <a:rPr lang="de-DE" dirty="0">
-                <a:sym typeface="Wingdings" panose="05000000000000000000" pitchFamily="2" charset="2"/>
-              </a:rPr>
-              <a:t>Beim Schließen der </a:t>
-            </a:r>
-            <a:r>
-              <a:rPr lang="de-DE" dirty="0" err="1">
-                <a:sym typeface="Wingdings" panose="05000000000000000000" pitchFamily="2" charset="2"/>
-              </a:rPr>
-              <a:t>Lightbox</a:t>
-            </a:r>
-            <a:r>
-              <a:rPr lang="de-DE" dirty="0">
-                <a:sym typeface="Wingdings" panose="05000000000000000000" pitchFamily="2" charset="2"/>
-              </a:rPr>
-              <a:t>: </a:t>
-            </a:r>
-          </a:p>
-          <a:p>
-            <a:pPr lvl="2"/>
-            <a:r>
-              <a:rPr lang="de-DE" dirty="0">
-                <a:sym typeface="Wingdings" panose="05000000000000000000" pitchFamily="2" charset="2"/>
-              </a:rPr>
-              <a:t>Zur </a:t>
-            </a:r>
-            <a:r>
-              <a:rPr lang="de-DE" dirty="0" err="1">
-                <a:sym typeface="Wingdings" panose="05000000000000000000" pitchFamily="2" charset="2"/>
-              </a:rPr>
-              <a:t>Highscore</a:t>
-            </a:r>
-            <a:r>
-              <a:rPr lang="de-DE" dirty="0">
-                <a:sym typeface="Wingdings" panose="05000000000000000000" pitchFamily="2" charset="2"/>
-              </a:rPr>
-              <a:t>-Liste automatisch gescrollt (</a:t>
-            </a:r>
-            <a:r>
-              <a:rPr lang="de-DE" dirty="0" err="1">
-                <a:sym typeface="Wingdings" panose="05000000000000000000" pitchFamily="2" charset="2"/>
-              </a:rPr>
-              <a:t>transition</a:t>
-            </a:r>
-            <a:r>
-              <a:rPr lang="de-DE" dirty="0">
-                <a:sym typeface="Wingdings" panose="05000000000000000000" pitchFamily="2" charset="2"/>
-              </a:rPr>
-              <a:t> scroll)</a:t>
-            </a:r>
-          </a:p>
-        </p:txBody>
-      </p:sp>
+      </p:pic>
     </p:spTree>
     <p:extLst>
       <p:ext uri="{BB962C8B-B14F-4D97-AF65-F5344CB8AC3E}">
-        <p14:creationId xmlns:p14="http://schemas.microsoft.com/office/powerpoint/2010/main" val="3105397289"/>
+        <p14:creationId xmlns:p14="http://schemas.microsoft.com/office/powerpoint/2010/main" val="2323065535"/>
       </p:ext>
     </p:extLst>
   </p:cSld>
@@ -13106,14 +12982,28 @@
         </p:nvSpPr>
         <p:spPr/>
         <p:txBody>
-          <a:bodyPr/>
+          <a:bodyPr>
+            <a:normAutofit/>
+          </a:bodyPr>
           <a:lstStyle/>
           <a:p>
             <a:r>
-              <a:rPr lang="de-DE" dirty="0"/>
-              <a:t>HIGHSCORE</a:t>
-            </a:r>
-            <a:endParaRPr lang="de-AT" dirty="0"/>
+              <a:rPr lang="de-DE" sz="6000" dirty="0"/>
+              <a:t>Tic </a:t>
+            </a:r>
+            <a:r>
+              <a:rPr lang="de-DE" sz="6000" dirty="0" err="1"/>
+              <a:t>Tac</a:t>
+            </a:r>
+            <a:r>
+              <a:rPr lang="de-DE" sz="6000" dirty="0"/>
+              <a:t> </a:t>
+            </a:r>
+            <a:r>
+              <a:rPr lang="de-DE" sz="6000" dirty="0" err="1"/>
+              <a:t>Toe</a:t>
+            </a:r>
+            <a:endParaRPr lang="de-AT" sz="6000" dirty="0"/>
           </a:p>
         </p:txBody>
       </p:sp>
@@ -13127,109 +13017,196 @@
             <p:ph idx="1"/>
           </p:nvPr>
         </p:nvSpPr>
-        <p:spPr/>
+        <p:spPr>
+          <a:xfrm>
+            <a:off x="1141412" y="2249486"/>
+            <a:ext cx="9905999" cy="3994295"/>
+          </a:xfrm>
+        </p:spPr>
         <p:txBody>
-          <a:bodyPr/>
+          <a:bodyPr>
+            <a:normAutofit fontScale="92500" lnSpcReduction="20000"/>
+          </a:bodyPr>
           <a:lstStyle/>
           <a:p>
             <a:r>
-              <a:rPr lang="de-DE" dirty="0"/>
-              <a:t>Unterteilt in Single/Multiplayer (Register/Gruppierung)</a:t>
+              <a:rPr lang="de-DE" sz="2800" dirty="0"/>
+              <a:t>Single- und Multiplayer (jederzeit änderbar)</a:t>
             </a:r>
           </a:p>
           <a:p>
             <a:pPr lvl="1"/>
             <a:r>
-              <a:rPr lang="de-DE" dirty="0"/>
-              <a:t>Guest bei Multiplayer wird nicht in Datenbank gespeichert</a:t>
-            </a:r>
-          </a:p>
-          <a:p>
-            <a:pPr lvl="2"/>
-            <a:r>
-              <a:rPr lang="de-DE" dirty="0"/>
-              <a:t>Wenn Guest gewinnt </a:t>
-            </a:r>
-            <a:r>
-              <a:rPr lang="de-DE" dirty="0">
+              <a:rPr lang="de-DE" sz="2400" dirty="0"/>
+              <a:t>Keine Schwierigkeitsstufen (Single Player) / Multiplayer am gleichen Bildschirm</a:t>
+            </a:r>
+          </a:p>
+          <a:p>
+            <a:pPr lvl="1"/>
+            <a:r>
+              <a:rPr lang="de-DE" sz="2400" dirty="0"/>
+              <a:t>Bei Multiplayer automatisch anderer Spieler als „Guest“ (=anonym)</a:t>
+            </a:r>
+          </a:p>
+          <a:p>
+            <a:r>
+              <a:rPr lang="de-DE" sz="2800" dirty="0"/>
+              <a:t>5 Runden</a:t>
+            </a:r>
+          </a:p>
+          <a:p>
+            <a:pPr lvl="1"/>
+            <a:r>
+              <a:rPr lang="de-DE" sz="2400" dirty="0" err="1">
                 <a:sym typeface="Wingdings" panose="05000000000000000000" pitchFamily="2" charset="2"/>
               </a:rPr>
-              <a:t> nur </a:t>
-            </a:r>
-            <a:r>
-              <a:rPr lang="de-DE" dirty="0" err="1">
+              <a:t>Lightbox</a:t>
+            </a:r>
+            <a:r>
+              <a:rPr lang="de-DE" sz="2400" dirty="0">
                 <a:sym typeface="Wingdings" panose="05000000000000000000" pitchFamily="2" charset="2"/>
               </a:rPr>
-              <a:t>eingel</a:t>
-            </a:r>
-            <a:r>
-              <a:rPr lang="de-DE" dirty="0">
+              <a:t> erscheint mit Overall Score u. anderen Details</a:t>
+            </a:r>
+          </a:p>
+          <a:p>
+            <a:pPr lvl="1"/>
+            <a:r>
+              <a:rPr lang="de-DE" sz="2400" dirty="0">
                 <a:sym typeface="Wingdings" panose="05000000000000000000" pitchFamily="2" charset="2"/>
               </a:rPr>
-              <a:t>. Spieler dokumentiert, dass verloren</a:t>
-            </a:r>
-            <a:endParaRPr lang="de-DE" dirty="0"/>
-          </a:p>
-          <a:p>
-            <a:r>
-              <a:rPr lang="de-DE" dirty="0"/>
-              <a:t>Mögl. Felder: </a:t>
+              <a:t>Share </a:t>
+            </a:r>
+            <a:r>
+              <a:rPr lang="de-DE" sz="2400" dirty="0" err="1">
+                <a:sym typeface="Wingdings" panose="05000000000000000000" pitchFamily="2" charset="2"/>
+              </a:rPr>
+              <a:t>your</a:t>
+            </a:r>
+            <a:r>
+              <a:rPr lang="de-DE" sz="2400" dirty="0">
+                <a:sym typeface="Wingdings" panose="05000000000000000000" pitchFamily="2" charset="2"/>
+              </a:rPr>
+              <a:t> Score (Facebook, etc.)</a:t>
             </a:r>
           </a:p>
           <a:p>
             <a:pPr lvl="1"/>
             <a:r>
-              <a:rPr lang="de-DE" dirty="0"/>
-              <a:t>Name, Punkte, Message, Reputation (</a:t>
-            </a:r>
-            <a:r>
-              <a:rPr lang="de-DE" dirty="0" err="1"/>
-              <a:t>Win</a:t>
-            </a:r>
-            <a:r>
-              <a:rPr lang="de-DE" dirty="0"/>
-              <a:t>/Loss Ratio)</a:t>
-            </a:r>
-          </a:p>
-          <a:p>
-            <a:r>
-              <a:rPr lang="de-DE" dirty="0"/>
-              <a:t>Sortieren nach </a:t>
-            </a:r>
-            <a:r>
-              <a:rPr lang="de-DE" dirty="0">
+              <a:rPr lang="de-DE" sz="2400" dirty="0">
                 <a:solidFill>
                   <a:srgbClr val="FF0000"/>
                 </a:solidFill>
+                <a:sym typeface="Wingdings" panose="05000000000000000000" pitchFamily="2" charset="2"/>
               </a:rPr>
               <a:t>(</a:t>
             </a:r>
             <a:r>
-              <a:rPr lang="de-DE" dirty="0"/>
-              <a:t>allen</a:t>
-            </a:r>
-            <a:r>
-              <a:rPr lang="de-DE" dirty="0">
+              <a:rPr lang="de-DE" sz="2400" dirty="0">
+                <a:sym typeface="Wingdings" panose="05000000000000000000" pitchFamily="2" charset="2"/>
+              </a:rPr>
+              <a:t>Message mit in den </a:t>
+            </a:r>
+            <a:r>
+              <a:rPr lang="de-DE" sz="2400" dirty="0" err="1">
+                <a:sym typeface="Wingdings" panose="05000000000000000000" pitchFamily="2" charset="2"/>
+              </a:rPr>
+              <a:t>Highscore</a:t>
+            </a:r>
+            <a:r>
+              <a:rPr lang="de-DE" sz="2400" dirty="0">
+                <a:sym typeface="Wingdings" panose="05000000000000000000" pitchFamily="2" charset="2"/>
+              </a:rPr>
+              <a:t> eintragen</a:t>
+            </a:r>
+            <a:r>
+              <a:rPr lang="de-DE" sz="2400" dirty="0">
                 <a:solidFill>
                   <a:srgbClr val="FF0000"/>
                 </a:solidFill>
+                <a:sym typeface="Wingdings" panose="05000000000000000000" pitchFamily="2" charset="2"/>
               </a:rPr>
-              <a:t>)</a:t>
-            </a:r>
-            <a:r>
-              <a:rPr lang="de-DE" dirty="0"/>
-              <a:t> Feldern möglich</a:t>
-            </a:r>
-          </a:p>
-          <a:p>
-            <a:endParaRPr lang="de-AT" dirty="0"/>
+              <a:t>) [SQL </a:t>
+            </a:r>
+            <a:r>
+              <a:rPr lang="de-DE" sz="2400" dirty="0" err="1">
+                <a:solidFill>
+                  <a:srgbClr val="FF0000"/>
+                </a:solidFill>
+                <a:sym typeface="Wingdings" panose="05000000000000000000" pitchFamily="2" charset="2"/>
+              </a:rPr>
+              <a:t>Injections</a:t>
+            </a:r>
+            <a:r>
+              <a:rPr lang="de-DE" sz="2400" dirty="0">
+                <a:solidFill>
+                  <a:srgbClr val="FF0000"/>
+                </a:solidFill>
+                <a:sym typeface="Wingdings" panose="05000000000000000000" pitchFamily="2" charset="2"/>
+              </a:rPr>
+              <a:t>]</a:t>
+            </a:r>
+          </a:p>
+          <a:p>
+            <a:pPr lvl="1"/>
+            <a:r>
+              <a:rPr lang="de-DE" sz="2400" dirty="0">
+                <a:sym typeface="Wingdings" panose="05000000000000000000" pitchFamily="2" charset="2"/>
+              </a:rPr>
+              <a:t>Beim Schließen der </a:t>
+            </a:r>
+            <a:r>
+              <a:rPr lang="de-DE" sz="2400" dirty="0" err="1">
+                <a:sym typeface="Wingdings" panose="05000000000000000000" pitchFamily="2" charset="2"/>
+              </a:rPr>
+              <a:t>Lightbox</a:t>
+            </a:r>
+            <a:r>
+              <a:rPr lang="de-DE" sz="2400" dirty="0">
+                <a:sym typeface="Wingdings" panose="05000000000000000000" pitchFamily="2" charset="2"/>
+              </a:rPr>
+              <a:t>: </a:t>
+            </a:r>
+          </a:p>
+          <a:p>
+            <a:pPr lvl="2"/>
+            <a:r>
+              <a:rPr lang="de-DE" sz="2000" dirty="0">
+                <a:sym typeface="Wingdings" panose="05000000000000000000" pitchFamily="2" charset="2"/>
+              </a:rPr>
+              <a:t>Zur </a:t>
+            </a:r>
+            <a:r>
+              <a:rPr lang="de-DE" sz="2000" dirty="0" err="1">
+                <a:sym typeface="Wingdings" panose="05000000000000000000" pitchFamily="2" charset="2"/>
+              </a:rPr>
+              <a:t>Highscore</a:t>
+            </a:r>
+            <a:r>
+              <a:rPr lang="de-DE" sz="2000" dirty="0">
+                <a:sym typeface="Wingdings" panose="05000000000000000000" pitchFamily="2" charset="2"/>
+              </a:rPr>
+              <a:t>-Liste automatisch gescrollt (</a:t>
+            </a:r>
+            <a:r>
+              <a:rPr lang="de-DE" sz="2000" dirty="0" err="1">
+                <a:sym typeface="Wingdings" panose="05000000000000000000" pitchFamily="2" charset="2"/>
+              </a:rPr>
+              <a:t>transition</a:t>
+            </a:r>
+            <a:r>
+              <a:rPr lang="de-DE" sz="2000" dirty="0">
+                <a:sym typeface="Wingdings" panose="05000000000000000000" pitchFamily="2" charset="2"/>
+              </a:rPr>
+              <a:t> scroll)</a:t>
+            </a:r>
           </a:p>
         </p:txBody>
       </p:sp>
     </p:spTree>
     <p:extLst>
       <p:ext uri="{BB962C8B-B14F-4D97-AF65-F5344CB8AC3E}">
-        <p14:creationId xmlns:p14="http://schemas.microsoft.com/office/powerpoint/2010/main" val="717339597"/>
+        <p14:creationId xmlns:p14="http://schemas.microsoft.com/office/powerpoint/2010/main" val="3105397289"/>
       </p:ext>
     </p:extLst>
   </p:cSld>
@@ -13258,6 +13235,444 @@
       </p:grpSpPr>
       <p:sp>
         <p:nvSpPr>
+          <p:cNvPr id="6" name="Rechteck 5"/>
+          <p:cNvSpPr/>
+          <p:nvPr/>
+        </p:nvSpPr>
+        <p:spPr>
+          <a:xfrm>
+            <a:off x="0" y="0"/>
+            <a:ext cx="12192000" cy="6858000"/>
+          </a:xfrm>
+          <a:prstGeom prst="rect">
+            <a:avLst/>
+          </a:prstGeom>
+          <a:solidFill>
+            <a:schemeClr val="bg1"/>
+          </a:solidFill>
+          <a:ln>
+            <a:solidFill>
+              <a:schemeClr val="bg1"/>
+            </a:solidFill>
+          </a:ln>
+        </p:spPr>
+        <p:style>
+          <a:lnRef idx="2">
+            <a:schemeClr val="accent1">
+              <a:shade val="50000"/>
+            </a:schemeClr>
+          </a:lnRef>
+          <a:fillRef idx="1">
+            <a:schemeClr val="accent1"/>
+          </a:fillRef>
+          <a:effectRef idx="0">
+            <a:schemeClr val="accent1"/>
+          </a:effectRef>
+          <a:fontRef idx="minor">
+            <a:schemeClr val="lt1"/>
+          </a:fontRef>
+        </p:style>
+        <p:txBody>
+          <a:bodyPr rtlCol="0" anchor="ctr"/>
+          <a:lstStyle/>
+          <a:p>
+            <a:pPr algn="ctr"/>
+            <a:endParaRPr lang="de-DE"/>
+          </a:p>
+        </p:txBody>
+      </p:sp>
+      <p:sp>
+        <p:nvSpPr>
+          <p:cNvPr id="2" name="Titel 1"/>
+          <p:cNvSpPr>
+            <a:spLocks noGrp="1"/>
+          </p:cNvSpPr>
+          <p:nvPr>
+            <p:ph type="title"/>
+          </p:nvPr>
+        </p:nvSpPr>
+        <p:spPr/>
+        <p:txBody>
+          <a:bodyPr/>
+          <a:lstStyle/>
+          <a:p>
+            <a:endParaRPr lang="de-DE"/>
+          </a:p>
+        </p:txBody>
+      </p:sp>
+      <p:pic>
+        <p:nvPicPr>
+          <p:cNvPr id="4" name="Grafik 3"/>
+          <p:cNvPicPr>
+            <a:picLocks noChangeAspect="1"/>
+          </p:cNvPicPr>
+          <p:nvPr/>
+        </p:nvPicPr>
+        <p:blipFill>
+          <a:blip r:embed="rId2">
+            <a:extLst>
+              <a:ext uri="{28A0092B-C50C-407E-A947-70E740481C1C}">
+                <a14:useLocalDpi xmlns:a14="http://schemas.microsoft.com/office/drawing/2010/main" val="0"/>
+              </a:ext>
+            </a:extLst>
+          </a:blip>
+          <a:stretch>
+            <a:fillRect/>
+          </a:stretch>
+        </p:blipFill>
+        <p:spPr>
+          <a:xfrm>
+            <a:off x="1593408" y="260206"/>
+            <a:ext cx="9002005" cy="6337587"/>
+          </a:xfrm>
+          <a:prstGeom prst="rect">
+            <a:avLst/>
+          </a:prstGeom>
+        </p:spPr>
+      </p:pic>
+      <p:sp>
+        <p:nvSpPr>
+          <p:cNvPr id="8" name="Inhaltsplatzhalter 7"/>
+          <p:cNvSpPr>
+            <a:spLocks noGrp="1"/>
+          </p:cNvSpPr>
+          <p:nvPr>
+            <p:ph idx="1"/>
+          </p:nvPr>
+        </p:nvSpPr>
+        <p:spPr/>
+        <p:txBody>
+          <a:bodyPr/>
+          <a:lstStyle/>
+          <a:p>
+            <a:endParaRPr lang="de-DE"/>
+          </a:p>
+        </p:txBody>
+      </p:sp>
+    </p:spTree>
+    <p:extLst>
+      <p:ext uri="{BB962C8B-B14F-4D97-AF65-F5344CB8AC3E}">
+        <p14:creationId xmlns:p14="http://schemas.microsoft.com/office/powerpoint/2010/main" val="916086974"/>
+      </p:ext>
+    </p:extLst>
+  </p:cSld>
+  <p:clrMapOvr>
+    <a:masterClrMapping/>
+  </p:clrMapOvr>
+</p:sld>
+</file>
+
+<file path=ppt/slides/slide7.xml><?xml version="1.0" encoding="utf-8"?>
+<p:sld xmlns:a="http://schemas.openxmlformats.org/drawingml/2006/main" xmlns:r="http://schemas.openxmlformats.org/officeDocument/2006/relationships" xmlns:p="http://schemas.openxmlformats.org/presentationml/2006/main">
+  <p:cSld>
+    <p:spTree>
+      <p:nvGrpSpPr>
+        <p:cNvPr id="1" name=""/>
+        <p:cNvGrpSpPr/>
+        <p:nvPr/>
+      </p:nvGrpSpPr>
+      <p:grpSpPr>
+        <a:xfrm>
+          <a:off x="0" y="0"/>
+          <a:ext cx="0" cy="0"/>
+          <a:chOff x="0" y="0"/>
+          <a:chExt cx="0" cy="0"/>
+        </a:xfrm>
+      </p:grpSpPr>
+      <p:sp>
+        <p:nvSpPr>
+          <p:cNvPr id="2" name="Titel 1"/>
+          <p:cNvSpPr>
+            <a:spLocks noGrp="1"/>
+          </p:cNvSpPr>
+          <p:nvPr>
+            <p:ph type="title"/>
+          </p:nvPr>
+        </p:nvSpPr>
+        <p:spPr/>
+        <p:txBody>
+          <a:bodyPr>
+            <a:normAutofit/>
+          </a:bodyPr>
+          <a:lstStyle/>
+          <a:p>
+            <a:r>
+              <a:rPr lang="de-DE" sz="6000" dirty="0"/>
+              <a:t>HIGHSCORE</a:t>
+            </a:r>
+            <a:endParaRPr lang="de-AT" sz="6000" dirty="0"/>
+          </a:p>
+        </p:txBody>
+      </p:sp>
+      <p:sp>
+        <p:nvSpPr>
+          <p:cNvPr id="3" name="Inhaltsplatzhalter 2"/>
+          <p:cNvSpPr>
+            <a:spLocks noGrp="1"/>
+          </p:cNvSpPr>
+          <p:nvPr>
+            <p:ph idx="1"/>
+          </p:nvPr>
+        </p:nvSpPr>
+        <p:spPr/>
+        <p:txBody>
+          <a:bodyPr>
+            <a:normAutofit/>
+          </a:bodyPr>
+          <a:lstStyle/>
+          <a:p>
+            <a:r>
+              <a:rPr lang="de-DE" sz="2800" dirty="0"/>
+              <a:t>Unterteilt in Single/Multiplayer (Register/Gruppierung)</a:t>
+            </a:r>
+          </a:p>
+          <a:p>
+            <a:pPr lvl="1"/>
+            <a:r>
+              <a:rPr lang="de-DE" sz="2400" dirty="0"/>
+              <a:t>Guest bei Multiplayer wird nicht in Datenbank gespeichert</a:t>
+            </a:r>
+          </a:p>
+          <a:p>
+            <a:pPr lvl="2"/>
+            <a:r>
+              <a:rPr lang="de-DE" sz="2000" dirty="0"/>
+              <a:t>Wenn Guest gewinnt </a:t>
+            </a:r>
+            <a:r>
+              <a:rPr lang="de-DE" sz="2000" dirty="0">
+                <a:sym typeface="Wingdings" panose="05000000000000000000" pitchFamily="2" charset="2"/>
+              </a:rPr>
+              <a:t> nur </a:t>
+            </a:r>
+            <a:r>
+              <a:rPr lang="de-DE" sz="2000" dirty="0" err="1">
+                <a:sym typeface="Wingdings" panose="05000000000000000000" pitchFamily="2" charset="2"/>
+              </a:rPr>
+              <a:t>eingel</a:t>
+            </a:r>
+            <a:r>
+              <a:rPr lang="de-DE" sz="2000" dirty="0">
+                <a:sym typeface="Wingdings" panose="05000000000000000000" pitchFamily="2" charset="2"/>
+              </a:rPr>
+              <a:t>. Spieler dokumentiert, dass verloren</a:t>
+            </a:r>
+            <a:endParaRPr lang="de-DE" sz="2000" dirty="0"/>
+          </a:p>
+          <a:p>
+            <a:r>
+              <a:rPr lang="de-DE" sz="2800" dirty="0"/>
+              <a:t>Mögl. Felder: </a:t>
+            </a:r>
+          </a:p>
+          <a:p>
+            <a:pPr lvl="1"/>
+            <a:r>
+              <a:rPr lang="de-DE" sz="2400" dirty="0"/>
+              <a:t>Name, Punkte, Message, Reputation (</a:t>
+            </a:r>
+            <a:r>
+              <a:rPr lang="de-DE" sz="2400" dirty="0" err="1"/>
+              <a:t>Win</a:t>
+            </a:r>
+            <a:r>
+              <a:rPr lang="de-DE" sz="2400" dirty="0"/>
+              <a:t>/Loss Ratio)</a:t>
+            </a:r>
+          </a:p>
+          <a:p>
+            <a:r>
+              <a:rPr lang="de-DE" sz="2800" dirty="0"/>
+              <a:t>Sortieren nach </a:t>
+            </a:r>
+            <a:r>
+              <a:rPr lang="de-DE" sz="2800" dirty="0">
+                <a:solidFill>
+                  <a:srgbClr val="FF0000"/>
+                </a:solidFill>
+              </a:rPr>
+              <a:t>(</a:t>
+            </a:r>
+            <a:r>
+              <a:rPr lang="de-DE" sz="2800" dirty="0"/>
+              <a:t>allen</a:t>
+            </a:r>
+            <a:r>
+              <a:rPr lang="de-DE" sz="2800" dirty="0">
+                <a:solidFill>
+                  <a:srgbClr val="FF0000"/>
+                </a:solidFill>
+              </a:rPr>
+              <a:t>)</a:t>
+            </a:r>
+            <a:r>
+              <a:rPr lang="de-DE" sz="2800" dirty="0"/>
+              <a:t> Feldern möglich</a:t>
+            </a:r>
+          </a:p>
+          <a:p>
+            <a:endParaRPr lang="de-AT" sz="2800" dirty="0"/>
+          </a:p>
+        </p:txBody>
+      </p:sp>
+    </p:spTree>
+    <p:extLst>
+      <p:ext uri="{BB962C8B-B14F-4D97-AF65-F5344CB8AC3E}">
+        <p14:creationId xmlns:p14="http://schemas.microsoft.com/office/powerpoint/2010/main" val="717339597"/>
+      </p:ext>
+    </p:extLst>
+  </p:cSld>
+  <p:clrMapOvr>
+    <a:masterClrMapping/>
+  </p:clrMapOvr>
+</p:sld>
+</file>
+
+<file path=ppt/slides/slide8.xml><?xml version="1.0" encoding="utf-8"?>
+<p:sld xmlns:a="http://schemas.openxmlformats.org/drawingml/2006/main" xmlns:r="http://schemas.openxmlformats.org/officeDocument/2006/relationships" xmlns:p="http://schemas.openxmlformats.org/presentationml/2006/main">
+  <p:cSld>
+    <p:spTree>
+      <p:nvGrpSpPr>
+        <p:cNvPr id="1" name=""/>
+        <p:cNvGrpSpPr/>
+        <p:nvPr/>
+      </p:nvGrpSpPr>
+      <p:grpSpPr>
+        <a:xfrm>
+          <a:off x="0" y="0"/>
+          <a:ext cx="0" cy="0"/>
+          <a:chOff x="0" y="0"/>
+          <a:chExt cx="0" cy="0"/>
+        </a:xfrm>
+      </p:grpSpPr>
+      <p:sp>
+        <p:nvSpPr>
+          <p:cNvPr id="6" name="Rechteck 5"/>
+          <p:cNvSpPr/>
+          <p:nvPr/>
+        </p:nvSpPr>
+        <p:spPr>
+          <a:xfrm>
+            <a:off x="0" y="0"/>
+            <a:ext cx="12192000" cy="6858000"/>
+          </a:xfrm>
+          <a:prstGeom prst="rect">
+            <a:avLst/>
+          </a:prstGeom>
+          <a:solidFill>
+            <a:schemeClr val="bg1"/>
+          </a:solidFill>
+          <a:ln>
+            <a:solidFill>
+              <a:schemeClr val="bg1"/>
+            </a:solidFill>
+          </a:ln>
+        </p:spPr>
+        <p:style>
+          <a:lnRef idx="2">
+            <a:schemeClr val="accent1">
+              <a:shade val="50000"/>
+            </a:schemeClr>
+          </a:lnRef>
+          <a:fillRef idx="1">
+            <a:schemeClr val="accent1"/>
+          </a:fillRef>
+          <a:effectRef idx="0">
+            <a:schemeClr val="accent1"/>
+          </a:effectRef>
+          <a:fontRef idx="minor">
+            <a:schemeClr val="lt1"/>
+          </a:fontRef>
+        </p:style>
+        <p:txBody>
+          <a:bodyPr rtlCol="0" anchor="ctr"/>
+          <a:lstStyle/>
+          <a:p>
+            <a:pPr algn="ctr"/>
+            <a:endParaRPr lang="de-DE"/>
+          </a:p>
+        </p:txBody>
+      </p:sp>
+      <p:sp>
+        <p:nvSpPr>
+          <p:cNvPr id="2" name="Titel 1"/>
+          <p:cNvSpPr>
+            <a:spLocks noGrp="1"/>
+          </p:cNvSpPr>
+          <p:nvPr>
+            <p:ph type="title"/>
+          </p:nvPr>
+        </p:nvSpPr>
+        <p:spPr/>
+        <p:txBody>
+          <a:bodyPr/>
+          <a:lstStyle/>
+          <a:p>
+            <a:endParaRPr lang="de-DE"/>
+          </a:p>
+        </p:txBody>
+      </p:sp>
+      <p:pic>
+        <p:nvPicPr>
+          <p:cNvPr id="8" name="Inhaltsplatzhalter 7" descr="Ein Bild, das Screenshot enthält.&#10;&#10;Mit hoher Zuverlässigkeit generierte Beschreibung"/>
+          <p:cNvPicPr>
+            <a:picLocks noGrp="1" noChangeAspect="1"/>
+          </p:cNvPicPr>
+          <p:nvPr>
+            <p:ph idx="1"/>
+          </p:nvPr>
+        </p:nvPicPr>
+        <p:blipFill>
+          <a:blip r:embed="rId2">
+            <a:extLst>
+              <a:ext uri="{28A0092B-C50C-407E-A947-70E740481C1C}">
+                <a14:useLocalDpi xmlns:a14="http://schemas.microsoft.com/office/drawing/2010/main" val="0"/>
+              </a:ext>
+            </a:extLst>
+          </a:blip>
+          <a:stretch>
+            <a:fillRect/>
+          </a:stretch>
+        </p:blipFill>
+        <p:spPr>
+          <a:xfrm>
+            <a:off x="787577" y="363897"/>
+            <a:ext cx="10613669" cy="6130205"/>
+          </a:xfrm>
+        </p:spPr>
+      </p:pic>
+    </p:spTree>
+    <p:extLst>
+      <p:ext uri="{BB962C8B-B14F-4D97-AF65-F5344CB8AC3E}">
+        <p14:creationId xmlns:p14="http://schemas.microsoft.com/office/powerpoint/2010/main" val="27882191"/>
+      </p:ext>
+    </p:extLst>
+  </p:cSld>
+  <p:clrMapOvr>
+    <a:masterClrMapping/>
+  </p:clrMapOvr>
+</p:sld>
+</file>
+
+<file path=ppt/slides/slide9.xml><?xml version="1.0" encoding="utf-8"?>
+<p:sld xmlns:a="http://schemas.openxmlformats.org/drawingml/2006/main" xmlns:r="http://schemas.openxmlformats.org/officeDocument/2006/relationships" xmlns:p="http://schemas.openxmlformats.org/presentationml/2006/main">
+  <p:cSld>
+    <p:spTree>
+      <p:nvGrpSpPr>
+        <p:cNvPr id="1" name=""/>
+        <p:cNvGrpSpPr/>
+        <p:nvPr/>
+      </p:nvGrpSpPr>
+      <p:grpSpPr>
+        <a:xfrm>
+          <a:off x="0" y="0"/>
+          <a:ext cx="0" cy="0"/>
+          <a:chOff x="0" y="0"/>
+          <a:chExt cx="0" cy="0"/>
+        </a:xfrm>
+      </p:grpSpPr>
+      <p:sp>
+        <p:nvSpPr>
           <p:cNvPr id="2" name="Titel 1"/>
           <p:cNvSpPr>
             <a:spLocks noGrp="1"/>
@@ -13268,7 +13683,9 @@
         </p:nvSpPr>
         <p:spPr/>
         <p:txBody>
-          <a:bodyPr/>
+          <a:bodyPr>
+            <a:normAutofit/>
+          </a:bodyPr>
           <a:lstStyle/>
           <a:p>
             <a:r>
@@ -13326,34 +13743,34 @@
         <a:sysClr val="window" lastClr="FFFFFF"/>
       </a:lt1>
       <a:dk2>
-        <a:srgbClr val="134770"/>
+        <a:srgbClr val="252C36"/>
       </a:dk2>
       <a:lt2>
-        <a:srgbClr val="82FFFF"/>
+        <a:srgbClr val="7C96A3"/>
       </a:lt2>
       <a:accent1>
-        <a:srgbClr val="9ACD4C"/>
+        <a:srgbClr val="4FD093"/>
       </a:accent1>
       <a:accent2>
-        <a:srgbClr val="FAA93A"/>
+        <a:srgbClr val="54BCDF"/>
       </a:accent2>
       <a:accent3>
-        <a:srgbClr val="D35940"/>
+        <a:srgbClr val="A262D0"/>
       </a:accent3>
       <a:accent4>
-        <a:srgbClr val="B258D3"/>
+        <a:srgbClr val="D7537B"/>
       </a:accent4>
       <a:accent5>
-        <a:srgbClr val="63A0CC"/>
+        <a:srgbClr val="E78045"/>
       </a:accent5>
       <a:accent6>
-        <a:srgbClr val="8AC4A7"/>
+        <a:srgbClr val="84C350"/>
       </a:accent6>
       <a:hlink>
-        <a:srgbClr val="B8FA56"/>
+        <a:srgbClr val="22FFFF"/>
       </a:hlink>
       <a:folHlink>
-        <a:srgbClr val="7AF8CC"/>
+        <a:srgbClr val="9BF3FD"/>
       </a:folHlink>
     </a:clrScheme>
     <a:fontScheme name="Schaltkreis">
@@ -13520,7 +13937,7 @@
                 <a:tint val="98000"/>
                 <a:hueMod val="94000"/>
                 <a:satMod val="148000"/>
-                <a:lumMod val="150000"/>
+                <a:lumMod val="140000"/>
               </a:schemeClr>
             </a:gs>
             <a:gs pos="100000">
@@ -13528,7 +13945,7 @@
                 <a:shade val="92000"/>
                 <a:hueMod val="104000"/>
                 <a:satMod val="140000"/>
-                <a:lumMod val="68000"/>
+                <a:lumMod val="48000"/>
               </a:schemeClr>
             </a:gs>
           </a:gsLst>
@@ -13538,16 +13955,16 @@
           <a:blip xmlns:r="http://schemas.openxmlformats.org/officeDocument/2006/relationships" r:embed="rId1">
             <a:duotone>
               <a:schemeClr val="phClr">
-                <a:shade val="88000"/>
+                <a:shade val="48000"/>
                 <a:hueMod val="106000"/>
                 <a:satMod val="140000"/>
-                <a:lumMod val="54000"/>
+                <a:lumMod val="42000"/>
               </a:schemeClr>
               <a:schemeClr val="phClr">
                 <a:tint val="98000"/>
-                <a:hueMod val="90000"/>
-                <a:satMod val="150000"/>
-                <a:lumMod val="160000"/>
+                <a:hueMod val="92000"/>
+                <a:satMod val="220000"/>
+                <a:lumMod val="90000"/>
               </a:schemeClr>
             </a:duotone>
           </a:blip>
@@ -13560,7 +13977,7 @@
   <a:extraClrSchemeLst/>
   <a:extLst>
     <a:ext uri="{05A4C25C-085E-4340-85A3-A5531E510DB2}">
-      <thm15:themeFamily xmlns:thm15="http://schemas.microsoft.com/office/thememl/2012/main" name="Circuit" id="{0AC2F7E7-15F5-431C-B2A2-456FE929F56C}" vid="{0911B802-464C-4241-8DD9-B60FF88E379F}"/>
+      <thm15:themeFamily xmlns:thm15="http://schemas.microsoft.com/office/thememl/2012/main" name="Circuit" id="{0AC2F7E7-15F5-431C-B2A2-456FE929F56C}" vid="{142578CA-DEC9-49C3-80AF-C113973CC9A9}"/>
     </a:ext>
   </a:extLst>
 </a:theme>
